--- a/documentacion/portada_y_contraportada/TFG/2-ContraportadaTFG.pptx
+++ b/documentacion/portada_y_contraportada/TFG/2-ContraportadaTFG.pptx
@@ -4,6 +4,9 @@
   <p:sldMasterIdLst>
     <p:sldMasterId id="2147483648" r:id="rId1"/>
   </p:sldMasterIdLst>
+  <p:notesMasterIdLst>
+    <p:notesMasterId r:id="rId3"/>
+  </p:notesMasterIdLst>
   <p:sldIdLst>
     <p:sldId id="256" r:id="rId2"/>
   </p:sldIdLst>
@@ -151,6 +154,439 @@
     </p:ext>
   </p:extLst>
 </p:presentation>
+</file>
+
+<file path=ppt/notesMasters/notesMaster1.xml><?xml version="1.0" encoding="utf-8"?>
+<p:notesMaster xmlns:a="http://schemas.openxmlformats.org/drawingml/2006/main" xmlns:r="http://schemas.openxmlformats.org/officeDocument/2006/relationships" xmlns:p="http://schemas.openxmlformats.org/presentationml/2006/main">
+  <p:cSld>
+    <p:bg>
+      <p:bgRef idx="1001">
+        <a:schemeClr val="bg1"/>
+      </p:bgRef>
+    </p:bg>
+    <p:spTree>
+      <p:nvGrpSpPr>
+        <p:cNvPr id="1" name=""/>
+        <p:cNvGrpSpPr/>
+        <p:nvPr/>
+      </p:nvGrpSpPr>
+      <p:grpSpPr>
+        <a:xfrm>
+          <a:off x="0" y="0"/>
+          <a:ext cx="0" cy="0"/>
+          <a:chOff x="0" y="0"/>
+          <a:chExt cx="0" cy="0"/>
+        </a:xfrm>
+      </p:grpSpPr>
+      <p:sp>
+        <p:nvSpPr>
+          <p:cNvPr id="2" name="Marcador de encabezado 1"/>
+          <p:cNvSpPr>
+            <a:spLocks noGrp="1"/>
+          </p:cNvSpPr>
+          <p:nvPr>
+            <p:ph type="hdr" sz="quarter"/>
+          </p:nvPr>
+        </p:nvSpPr>
+        <p:spPr>
+          <a:xfrm>
+            <a:off x="0" y="0"/>
+            <a:ext cx="2971800" cy="458788"/>
+          </a:xfrm>
+          <a:prstGeom prst="rect">
+            <a:avLst/>
+          </a:prstGeom>
+        </p:spPr>
+        <p:txBody>
+          <a:bodyPr vert="horz" lIns="91440" tIns="45720" rIns="91440" bIns="45720" rtlCol="0"/>
+          <a:lstStyle>
+            <a:lvl1pPr algn="l">
+              <a:defRPr sz="1200"/>
+            </a:lvl1pPr>
+          </a:lstStyle>
+          <a:p>
+            <a:endParaRPr lang="es-ES"/>
+          </a:p>
+        </p:txBody>
+      </p:sp>
+      <p:sp>
+        <p:nvSpPr>
+          <p:cNvPr id="3" name="Marcador de fecha 2"/>
+          <p:cNvSpPr>
+            <a:spLocks noGrp="1"/>
+          </p:cNvSpPr>
+          <p:nvPr>
+            <p:ph type="dt" idx="1"/>
+          </p:nvPr>
+        </p:nvSpPr>
+        <p:spPr>
+          <a:xfrm>
+            <a:off x="3884613" y="0"/>
+            <a:ext cx="2971800" cy="458788"/>
+          </a:xfrm>
+          <a:prstGeom prst="rect">
+            <a:avLst/>
+          </a:prstGeom>
+        </p:spPr>
+        <p:txBody>
+          <a:bodyPr vert="horz" lIns="91440" tIns="45720" rIns="91440" bIns="45720" rtlCol="0"/>
+          <a:lstStyle>
+            <a:lvl1pPr algn="r">
+              <a:defRPr sz="1200"/>
+            </a:lvl1pPr>
+          </a:lstStyle>
+          <a:p>
+            <a:fld id="{25CD2152-E3CC-CA40-B993-C7BCF202F72B}" type="datetimeFigureOut">
+              <a:rPr lang="es-ES" smtClean="0"/>
+              <a:t>7/2/22</a:t>
+            </a:fld>
+            <a:endParaRPr lang="es-ES"/>
+          </a:p>
+        </p:txBody>
+      </p:sp>
+      <p:sp>
+        <p:nvSpPr>
+          <p:cNvPr id="4" name="Marcador de imagen de diapositiva 3"/>
+          <p:cNvSpPr>
+            <a:spLocks noGrp="1" noRot="1" noChangeAspect="1"/>
+          </p:cNvSpPr>
+          <p:nvPr>
+            <p:ph type="sldImg" idx="2"/>
+          </p:nvPr>
+        </p:nvSpPr>
+        <p:spPr>
+          <a:xfrm>
+            <a:off x="2338388" y="1143000"/>
+            <a:ext cx="2181225" cy="3086100"/>
+          </a:xfrm>
+          <a:prstGeom prst="rect">
+            <a:avLst/>
+          </a:prstGeom>
+          <a:noFill/>
+          <a:ln w="12700">
+            <a:solidFill>
+              <a:prstClr val="black"/>
+            </a:solidFill>
+          </a:ln>
+        </p:spPr>
+        <p:txBody>
+          <a:bodyPr vert="horz" lIns="91440" tIns="45720" rIns="91440" bIns="45720" rtlCol="0" anchor="ctr"/>
+          <a:lstStyle/>
+          <a:p>
+            <a:endParaRPr lang="es-ES"/>
+          </a:p>
+        </p:txBody>
+      </p:sp>
+      <p:sp>
+        <p:nvSpPr>
+          <p:cNvPr id="5" name="Marcador de notas 4"/>
+          <p:cNvSpPr>
+            <a:spLocks noGrp="1"/>
+          </p:cNvSpPr>
+          <p:nvPr>
+            <p:ph type="body" sz="quarter" idx="3"/>
+          </p:nvPr>
+        </p:nvSpPr>
+        <p:spPr>
+          <a:xfrm>
+            <a:off x="685800" y="4400550"/>
+            <a:ext cx="5486400" cy="3600450"/>
+          </a:xfrm>
+          <a:prstGeom prst="rect">
+            <a:avLst/>
+          </a:prstGeom>
+        </p:spPr>
+        <p:txBody>
+          <a:bodyPr vert="horz" lIns="91440" tIns="45720" rIns="91440" bIns="45720" rtlCol="0"/>
+          <a:lstStyle/>
+          <a:p>
+            <a:pPr lvl="0"/>
+            <a:r>
+              <a:rPr lang="es-ES"/>
+              <a:t>Haga clic para modificar los estilos de texto del patrón</a:t>
+            </a:r>
+          </a:p>
+          <a:p>
+            <a:pPr lvl="1"/>
+            <a:r>
+              <a:rPr lang="es-ES"/>
+              <a:t>Segundo nivel</a:t>
+            </a:r>
+          </a:p>
+          <a:p>
+            <a:pPr lvl="2"/>
+            <a:r>
+              <a:rPr lang="es-ES"/>
+              <a:t>Tercer nivel</a:t>
+            </a:r>
+          </a:p>
+          <a:p>
+            <a:pPr lvl="3"/>
+            <a:r>
+              <a:rPr lang="es-ES"/>
+              <a:t>Cuarto nivel</a:t>
+            </a:r>
+          </a:p>
+          <a:p>
+            <a:pPr lvl="4"/>
+            <a:r>
+              <a:rPr lang="es-ES"/>
+              <a:t>Quinto nivel</a:t>
+            </a:r>
+          </a:p>
+        </p:txBody>
+      </p:sp>
+      <p:sp>
+        <p:nvSpPr>
+          <p:cNvPr id="6" name="Marcador de pie de página 5"/>
+          <p:cNvSpPr>
+            <a:spLocks noGrp="1"/>
+          </p:cNvSpPr>
+          <p:nvPr>
+            <p:ph type="ftr" sz="quarter" idx="4"/>
+          </p:nvPr>
+        </p:nvSpPr>
+        <p:spPr>
+          <a:xfrm>
+            <a:off x="0" y="8685213"/>
+            <a:ext cx="2971800" cy="458787"/>
+          </a:xfrm>
+          <a:prstGeom prst="rect">
+            <a:avLst/>
+          </a:prstGeom>
+        </p:spPr>
+        <p:txBody>
+          <a:bodyPr vert="horz" lIns="91440" tIns="45720" rIns="91440" bIns="45720" rtlCol="0" anchor="b"/>
+          <a:lstStyle>
+            <a:lvl1pPr algn="l">
+              <a:defRPr sz="1200"/>
+            </a:lvl1pPr>
+          </a:lstStyle>
+          <a:p>
+            <a:endParaRPr lang="es-ES"/>
+          </a:p>
+        </p:txBody>
+      </p:sp>
+      <p:sp>
+        <p:nvSpPr>
+          <p:cNvPr id="7" name="Marcador de número de diapositiva 6"/>
+          <p:cNvSpPr>
+            <a:spLocks noGrp="1"/>
+          </p:cNvSpPr>
+          <p:nvPr>
+            <p:ph type="sldNum" sz="quarter" idx="5"/>
+          </p:nvPr>
+        </p:nvSpPr>
+        <p:spPr>
+          <a:xfrm>
+            <a:off x="3884613" y="8685213"/>
+            <a:ext cx="2971800" cy="458787"/>
+          </a:xfrm>
+          <a:prstGeom prst="rect">
+            <a:avLst/>
+          </a:prstGeom>
+        </p:spPr>
+        <p:txBody>
+          <a:bodyPr vert="horz" lIns="91440" tIns="45720" rIns="91440" bIns="45720" rtlCol="0" anchor="b"/>
+          <a:lstStyle>
+            <a:lvl1pPr algn="r">
+              <a:defRPr sz="1200"/>
+            </a:lvl1pPr>
+          </a:lstStyle>
+          <a:p>
+            <a:fld id="{00682103-0A42-A643-A0A2-45C37DB442EE}" type="slidenum">
+              <a:rPr lang="es-ES" smtClean="0"/>
+              <a:t>‹Nº›</a:t>
+            </a:fld>
+            <a:endParaRPr lang="es-ES"/>
+          </a:p>
+        </p:txBody>
+      </p:sp>
+    </p:spTree>
+    <p:extLst>
+      <p:ext uri="{BB962C8B-B14F-4D97-AF65-F5344CB8AC3E}">
+        <p14:creationId xmlns:p14="http://schemas.microsoft.com/office/powerpoint/2010/main" val="3440813762"/>
+      </p:ext>
+    </p:extLst>
+  </p:cSld>
+  <p:clrMap bg1="lt1" tx1="dk1" bg2="lt2" tx2="dk2" accent1="accent1" accent2="accent2" accent3="accent3" accent4="accent4" accent5="accent5" accent6="accent6" hlink="hlink" folHlink="folHlink"/>
+  <p:notesStyle>
+    <a:lvl1pPr marL="0" algn="l" defTabSz="914400" rtl="0" eaLnBrk="1" latinLnBrk="0" hangingPunct="1">
+      <a:defRPr sz="1200" kern="1200">
+        <a:solidFill>
+          <a:schemeClr val="tx1"/>
+        </a:solidFill>
+        <a:latin typeface="+mn-lt"/>
+        <a:ea typeface="+mn-ea"/>
+        <a:cs typeface="+mn-cs"/>
+      </a:defRPr>
+    </a:lvl1pPr>
+    <a:lvl2pPr marL="457200" algn="l" defTabSz="914400" rtl="0" eaLnBrk="1" latinLnBrk="0" hangingPunct="1">
+      <a:defRPr sz="1200" kern="1200">
+        <a:solidFill>
+          <a:schemeClr val="tx1"/>
+        </a:solidFill>
+        <a:latin typeface="+mn-lt"/>
+        <a:ea typeface="+mn-ea"/>
+        <a:cs typeface="+mn-cs"/>
+      </a:defRPr>
+    </a:lvl2pPr>
+    <a:lvl3pPr marL="914400" algn="l" defTabSz="914400" rtl="0" eaLnBrk="1" latinLnBrk="0" hangingPunct="1">
+      <a:defRPr sz="1200" kern="1200">
+        <a:solidFill>
+          <a:schemeClr val="tx1"/>
+        </a:solidFill>
+        <a:latin typeface="+mn-lt"/>
+        <a:ea typeface="+mn-ea"/>
+        <a:cs typeface="+mn-cs"/>
+      </a:defRPr>
+    </a:lvl3pPr>
+    <a:lvl4pPr marL="1371600" algn="l" defTabSz="914400" rtl="0" eaLnBrk="1" latinLnBrk="0" hangingPunct="1">
+      <a:defRPr sz="1200" kern="1200">
+        <a:solidFill>
+          <a:schemeClr val="tx1"/>
+        </a:solidFill>
+        <a:latin typeface="+mn-lt"/>
+        <a:ea typeface="+mn-ea"/>
+        <a:cs typeface="+mn-cs"/>
+      </a:defRPr>
+    </a:lvl4pPr>
+    <a:lvl5pPr marL="1828800" algn="l" defTabSz="914400" rtl="0" eaLnBrk="1" latinLnBrk="0" hangingPunct="1">
+      <a:defRPr sz="1200" kern="1200">
+        <a:solidFill>
+          <a:schemeClr val="tx1"/>
+        </a:solidFill>
+        <a:latin typeface="+mn-lt"/>
+        <a:ea typeface="+mn-ea"/>
+        <a:cs typeface="+mn-cs"/>
+      </a:defRPr>
+    </a:lvl5pPr>
+    <a:lvl6pPr marL="2286000" algn="l" defTabSz="914400" rtl="0" eaLnBrk="1" latinLnBrk="0" hangingPunct="1">
+      <a:defRPr sz="1200" kern="1200">
+        <a:solidFill>
+          <a:schemeClr val="tx1"/>
+        </a:solidFill>
+        <a:latin typeface="+mn-lt"/>
+        <a:ea typeface="+mn-ea"/>
+        <a:cs typeface="+mn-cs"/>
+      </a:defRPr>
+    </a:lvl6pPr>
+    <a:lvl7pPr marL="2743200" algn="l" defTabSz="914400" rtl="0" eaLnBrk="1" latinLnBrk="0" hangingPunct="1">
+      <a:defRPr sz="1200" kern="1200">
+        <a:solidFill>
+          <a:schemeClr val="tx1"/>
+        </a:solidFill>
+        <a:latin typeface="+mn-lt"/>
+        <a:ea typeface="+mn-ea"/>
+        <a:cs typeface="+mn-cs"/>
+      </a:defRPr>
+    </a:lvl7pPr>
+    <a:lvl8pPr marL="3200400" algn="l" defTabSz="914400" rtl="0" eaLnBrk="1" latinLnBrk="0" hangingPunct="1">
+      <a:defRPr sz="1200" kern="1200">
+        <a:solidFill>
+          <a:schemeClr val="tx1"/>
+        </a:solidFill>
+        <a:latin typeface="+mn-lt"/>
+        <a:ea typeface="+mn-ea"/>
+        <a:cs typeface="+mn-cs"/>
+      </a:defRPr>
+    </a:lvl8pPr>
+    <a:lvl9pPr marL="3657600" algn="l" defTabSz="914400" rtl="0" eaLnBrk="1" latinLnBrk="0" hangingPunct="1">
+      <a:defRPr sz="1200" kern="1200">
+        <a:solidFill>
+          <a:schemeClr val="tx1"/>
+        </a:solidFill>
+        <a:latin typeface="+mn-lt"/>
+        <a:ea typeface="+mn-ea"/>
+        <a:cs typeface="+mn-cs"/>
+      </a:defRPr>
+    </a:lvl9pPr>
+  </p:notesStyle>
+</p:notesMaster>
+</file>
+
+<file path=ppt/notesSlides/notesSlide1.xml><?xml version="1.0" encoding="utf-8"?>
+<p:notes xmlns:a="http://schemas.openxmlformats.org/drawingml/2006/main" xmlns:r="http://schemas.openxmlformats.org/officeDocument/2006/relationships" xmlns:p="http://schemas.openxmlformats.org/presentationml/2006/main">
+  <p:cSld>
+    <p:spTree>
+      <p:nvGrpSpPr>
+        <p:cNvPr id="1" name=""/>
+        <p:cNvGrpSpPr/>
+        <p:nvPr/>
+      </p:nvGrpSpPr>
+      <p:grpSpPr>
+        <a:xfrm>
+          <a:off x="0" y="0"/>
+          <a:ext cx="0" cy="0"/>
+          <a:chOff x="0" y="0"/>
+          <a:chExt cx="0" cy="0"/>
+        </a:xfrm>
+      </p:grpSpPr>
+      <p:sp>
+        <p:nvSpPr>
+          <p:cNvPr id="2" name="Marcador de imagen de diapositiva 1"/>
+          <p:cNvSpPr>
+            <a:spLocks noGrp="1" noRot="1" noChangeAspect="1"/>
+          </p:cNvSpPr>
+          <p:nvPr>
+            <p:ph type="sldImg"/>
+          </p:nvPr>
+        </p:nvSpPr>
+        <p:spPr/>
+      </p:sp>
+      <p:sp>
+        <p:nvSpPr>
+          <p:cNvPr id="3" name="Marcador de notas 2"/>
+          <p:cNvSpPr>
+            <a:spLocks noGrp="1"/>
+          </p:cNvSpPr>
+          <p:nvPr>
+            <p:ph type="body" idx="1"/>
+          </p:nvPr>
+        </p:nvSpPr>
+        <p:spPr/>
+        <p:txBody>
+          <a:bodyPr/>
+          <a:lstStyle/>
+          <a:p>
+            <a:endParaRPr lang="es-ES" dirty="0"/>
+          </a:p>
+        </p:txBody>
+      </p:sp>
+      <p:sp>
+        <p:nvSpPr>
+          <p:cNvPr id="4" name="Marcador de número de diapositiva 3"/>
+          <p:cNvSpPr>
+            <a:spLocks noGrp="1"/>
+          </p:cNvSpPr>
+          <p:nvPr>
+            <p:ph type="sldNum" sz="quarter" idx="5"/>
+          </p:nvPr>
+        </p:nvSpPr>
+        <p:spPr/>
+        <p:txBody>
+          <a:bodyPr/>
+          <a:lstStyle/>
+          <a:p>
+            <a:fld id="{00682103-0A42-A643-A0A2-45C37DB442EE}" type="slidenum">
+              <a:rPr lang="es-ES" smtClean="0"/>
+              <a:t>1</a:t>
+            </a:fld>
+            <a:endParaRPr lang="es-ES"/>
+          </a:p>
+        </p:txBody>
+      </p:sp>
+    </p:spTree>
+    <p:extLst>
+      <p:ext uri="{BB962C8B-B14F-4D97-AF65-F5344CB8AC3E}">
+        <p14:creationId xmlns:p14="http://schemas.microsoft.com/office/powerpoint/2010/main" val="2064986069"/>
+      </p:ext>
+    </p:extLst>
+  </p:cSld>
+  <p:clrMapOvr>
+    <a:masterClrMapping/>
+  </p:clrMapOvr>
+</p:notes>
 </file>
 
 <file path=ppt/slideLayouts/slideLayout1.xml><?xml version="1.0" encoding="utf-8"?>
@@ -1132,7 +1568,7 @@
         <p:spPr>
           <a:xfrm>
             <a:off x="1900238" y="874713"/>
-            <a:ext cx="5553075" cy="7927975"/>
+            <a:ext cx="5553075" cy="8072387"/>
           </a:xfrm>
         </p:spPr>
         <p:txBody>
@@ -1147,29 +1583,17 @@
             </a:pPr>
             <a:r>
               <a:rPr lang="es-ES" dirty="0"/>
-              <a:t>En el Departamento de Informática de la Universidad de Almería surgen problemáticas a la hora de controlar el registro de los equipos que se tiene ya que se desconoce su ubicación o es un proceso complicado el obtenerla. Poder solicitar el material del que disponen se convierte en un proceso tedioso. Todas estas problemáticas ocasionan adquisiciones redundantes en el Departamento y acumulación del inventario.  </a:t>
+              <a:t>El Departamento de Informática de la Universidad de Almería adolece de ciertas carencias a la hora de controlar el registro de los equipos y materiales disponibles, ya que se desconoce su ubicación concreta, o resulta complicado obtenerla. Poder solicitar el material del que dispone se convierte en un proceso tedioso. La falta de un mecanismo de de gestión eficiente hace que se produzcan adquisiciones redundantes en el Departamento, con la consiguiente acumulación del inventario. La necesidad de una herramienta que pueda gestionar el inventario y agilizar el proceso de concesión de préstamos en el Departamento de Informática facilitaría en gran medida el trabajo de los técnicos y el control y seguimiento del material del que se dispone. El objetivo principal de este proyecto es la creación de un sistema de gestión de inventario y control de préstamos para el Departamento de Informática de la Universidad de Almería. Este sistema consistiría en el desarrollo de una aplicación web y una interfaz de programación de aplicaciones (API). Este desarrollo se realizaría utilizando tecnologías como Node JS y Angular TypeScript. Utilizaremos Docker para poder poner en funcionamiento el servidor, la API y la base de datos. Este desarrollo se ha llevado a cabo con una planificación desarrollada y detallada, describiendo en profundidad todas las etapas por las que ha pasado la creación de la herramienta.</a:t>
             </a:r>
             <a:br>
               <a:rPr lang="es-ES" dirty="0"/>
             </a:br>
-            <a:r>
-              <a:rPr lang="es-ES" dirty="0"/>
-              <a:t>La necesidad de una herramienta que pueda gestionar el inventario y agilizar el proceso de concesión de préstamos en el Departamento de Informática facilitaría en gran medida el trabajo de los técnicos y el control y seguimiento del material del que se dispone. </a:t>
-            </a:r>
             <a:br>
               <a:rPr lang="es-ES" dirty="0"/>
             </a:br>
             <a:r>
-              <a:rPr lang="es-ES" dirty="0"/>
-              <a:t>El objetivo principal de este proyecto es la creación de un sistema de gestión de inventario y control de préstamos para el Departamento de Informática de la Universidad de Almería.  Este sistema consistiría en el desarrollo de una aplicación web y una interfaz de programación de aplicaciones (API). Este desarrollo sería utilizando tecnologías como Node JS y Angular TypeScript. Nos ayudaremos de </a:t>
-            </a:r>
-            <a:r>
-              <a:rPr lang="es-ES" dirty="0" err="1"/>
-              <a:t>Docker</a:t>
-            </a:r>
-            <a:r>
-              <a:rPr lang="es-ES" dirty="0"/>
-              <a:t> para poder poner en funcionamiento el servidor, la API y la base de datos.  A su vez iría ligado a una planificación desarrollada y detallada describiendo en profundidad todas las etapas por las que ha ido pasando la creación de la herramienta. </a:t>
+              <a:rPr lang="en-US" dirty="0"/>
+              <a:t>The Department of Computer Science of the University of Almería suffers from certain shortcomings when it comes to controlling the registration of the equipment and materials available, since its specific location is unknown, or it is difficult to obtain it. Being able to request the material you have become a tedious process. The lack of an efficient management mechanism leads to redundant acquisitions in the Department, with the consequent accumulation of inventory. The need for a tool that can manage the inventory and streamline the process of granting loans in the IT Department would greatly facilitate the work of the technicians and the control and monitoring of the material available. The main objective of this project is the creation of an inventory management and loan control system for the Computer Science Department of the University of Almería. This system would consist of the development of a web application and an application programming interface (API). This development would be done using technologies such as Node JS and Angular TypeScript. We will use Docker to be able to get the server, API and database up and running. This development has been carried out with a developed and detailed planning, describing in depth all the stages through which the creation of the tool has passed.</a:t>
             </a:r>
           </a:p>
         </p:txBody>
@@ -1463,4 +1887,299 @@
   <a:objectDefaults/>
   <a:extraClrSchemeLst/>
 </a:theme>
+</file>
+
+<file path=ppt/theme/theme2.xml><?xml version="1.0" encoding="utf-8"?>
+<a:theme xmlns:a="http://schemas.openxmlformats.org/drawingml/2006/main" name="Tema de Office">
+  <a:themeElements>
+    <a:clrScheme name="Office">
+      <a:dk1>
+        <a:sysClr val="windowText" lastClr="000000"/>
+      </a:dk1>
+      <a:lt1>
+        <a:sysClr val="window" lastClr="FFFFFF"/>
+      </a:lt1>
+      <a:dk2>
+        <a:srgbClr val="44546A"/>
+      </a:dk2>
+      <a:lt2>
+        <a:srgbClr val="E7E6E6"/>
+      </a:lt2>
+      <a:accent1>
+        <a:srgbClr val="4472C4"/>
+      </a:accent1>
+      <a:accent2>
+        <a:srgbClr val="ED7D31"/>
+      </a:accent2>
+      <a:accent3>
+        <a:srgbClr val="A5A5A5"/>
+      </a:accent3>
+      <a:accent4>
+        <a:srgbClr val="FFC000"/>
+      </a:accent4>
+      <a:accent5>
+        <a:srgbClr val="5B9BD5"/>
+      </a:accent5>
+      <a:accent6>
+        <a:srgbClr val="70AD47"/>
+      </a:accent6>
+      <a:hlink>
+        <a:srgbClr val="0563C1"/>
+      </a:hlink>
+      <a:folHlink>
+        <a:srgbClr val="954F72"/>
+      </a:folHlink>
+    </a:clrScheme>
+    <a:fontScheme name="Office">
+      <a:majorFont>
+        <a:latin typeface="Calibri Light" panose="020F0302020204030204"/>
+        <a:ea typeface=""/>
+        <a:cs typeface=""/>
+        <a:font script="Jpan" typeface="游ゴシック Light"/>
+        <a:font script="Hang" typeface="맑은 고딕"/>
+        <a:font script="Hans" typeface="等线 Light"/>
+        <a:font script="Hant" typeface="新細明體"/>
+        <a:font script="Arab" typeface="Times New Roman"/>
+        <a:font script="Hebr" typeface="Times New Roman"/>
+        <a:font script="Thai" typeface="Angsana New"/>
+        <a:font script="Ethi" typeface="Nyala"/>
+        <a:font script="Beng" typeface="Vrinda"/>
+        <a:font script="Gujr" typeface="Shruti"/>
+        <a:font script="Khmr" typeface="MoolBoran"/>
+        <a:font script="Knda" typeface="Tunga"/>
+        <a:font script="Guru" typeface="Raavi"/>
+        <a:font script="Cans" typeface="Euphemia"/>
+        <a:font script="Cher" typeface="Plantagenet Cherokee"/>
+        <a:font script="Yiii" typeface="Microsoft Yi Baiti"/>
+        <a:font script="Tibt" typeface="Microsoft Himalaya"/>
+        <a:font script="Thaa" typeface="MV Boli"/>
+        <a:font script="Deva" typeface="Mangal"/>
+        <a:font script="Telu" typeface="Gautami"/>
+        <a:font script="Taml" typeface="Latha"/>
+        <a:font script="Syrc" typeface="Estrangelo Edessa"/>
+        <a:font script="Orya" typeface="Kalinga"/>
+        <a:font script="Mlym" typeface="Kartika"/>
+        <a:font script="Laoo" typeface="DokChampa"/>
+        <a:font script="Sinh" typeface="Iskoola Pota"/>
+        <a:font script="Mong" typeface="Mongolian Baiti"/>
+        <a:font script="Viet" typeface="Times New Roman"/>
+        <a:font script="Uigh" typeface="Microsoft Uighur"/>
+        <a:font script="Geor" typeface="Sylfaen"/>
+        <a:font script="Armn" typeface="Arial"/>
+        <a:font script="Bugi" typeface="Leelawadee UI"/>
+        <a:font script="Bopo" typeface="Microsoft JhengHei"/>
+        <a:font script="Java" typeface="Javanese Text"/>
+        <a:font script="Lisu" typeface="Segoe UI"/>
+        <a:font script="Mymr" typeface="Myanmar Text"/>
+        <a:font script="Nkoo" typeface="Ebrima"/>
+        <a:font script="Olck" typeface="Nirmala UI"/>
+        <a:font script="Osma" typeface="Ebrima"/>
+        <a:font script="Phag" typeface="Phagspa"/>
+        <a:font script="Syrn" typeface="Estrangelo Edessa"/>
+        <a:font script="Syrj" typeface="Estrangelo Edessa"/>
+        <a:font script="Syre" typeface="Estrangelo Edessa"/>
+        <a:font script="Sora" typeface="Nirmala UI"/>
+        <a:font script="Tale" typeface="Microsoft Tai Le"/>
+        <a:font script="Talu" typeface="Microsoft New Tai Lue"/>
+        <a:font script="Tfng" typeface="Ebrima"/>
+      </a:majorFont>
+      <a:minorFont>
+        <a:latin typeface="Calibri" panose="020F0502020204030204"/>
+        <a:ea typeface=""/>
+        <a:cs typeface=""/>
+        <a:font script="Jpan" typeface="游ゴシック"/>
+        <a:font script="Hang" typeface="맑은 고딕"/>
+        <a:font script="Hans" typeface="等线"/>
+        <a:font script="Hant" typeface="新細明體"/>
+        <a:font script="Arab" typeface="Arial"/>
+        <a:font script="Hebr" typeface="Arial"/>
+        <a:font script="Thai" typeface="Cordia New"/>
+        <a:font script="Ethi" typeface="Nyala"/>
+        <a:font script="Beng" typeface="Vrinda"/>
+        <a:font script="Gujr" typeface="Shruti"/>
+        <a:font script="Khmr" typeface="DaunPenh"/>
+        <a:font script="Knda" typeface="Tunga"/>
+        <a:font script="Guru" typeface="Raavi"/>
+        <a:font script="Cans" typeface="Euphemia"/>
+        <a:font script="Cher" typeface="Plantagenet Cherokee"/>
+        <a:font script="Yiii" typeface="Microsoft Yi Baiti"/>
+        <a:font script="Tibt" typeface="Microsoft Himalaya"/>
+        <a:font script="Thaa" typeface="MV Boli"/>
+        <a:font script="Deva" typeface="Mangal"/>
+        <a:font script="Telu" typeface="Gautami"/>
+        <a:font script="Taml" typeface="Latha"/>
+        <a:font script="Syrc" typeface="Estrangelo Edessa"/>
+        <a:font script="Orya" typeface="Kalinga"/>
+        <a:font script="Mlym" typeface="Kartika"/>
+        <a:font script="Laoo" typeface="DokChampa"/>
+        <a:font script="Sinh" typeface="Iskoola Pota"/>
+        <a:font script="Mong" typeface="Mongolian Baiti"/>
+        <a:font script="Viet" typeface="Arial"/>
+        <a:font script="Uigh" typeface="Microsoft Uighur"/>
+        <a:font script="Geor" typeface="Sylfaen"/>
+        <a:font script="Armn" typeface="Arial"/>
+        <a:font script="Bugi" typeface="Leelawadee UI"/>
+        <a:font script="Bopo" typeface="Microsoft JhengHei"/>
+        <a:font script="Java" typeface="Javanese Text"/>
+        <a:font script="Lisu" typeface="Segoe UI"/>
+        <a:font script="Mymr" typeface="Myanmar Text"/>
+        <a:font script="Nkoo" typeface="Ebrima"/>
+        <a:font script="Olck" typeface="Nirmala UI"/>
+        <a:font script="Osma" typeface="Ebrima"/>
+        <a:font script="Phag" typeface="Phagspa"/>
+        <a:font script="Syrn" typeface="Estrangelo Edessa"/>
+        <a:font script="Syrj" typeface="Estrangelo Edessa"/>
+        <a:font script="Syre" typeface="Estrangelo Edessa"/>
+        <a:font script="Sora" typeface="Nirmala UI"/>
+        <a:font script="Tale" typeface="Microsoft Tai Le"/>
+        <a:font script="Talu" typeface="Microsoft New Tai Lue"/>
+        <a:font script="Tfng" typeface="Ebrima"/>
+      </a:minorFont>
+    </a:fontScheme>
+    <a:fmtScheme name="Office">
+      <a:fillStyleLst>
+        <a:solidFill>
+          <a:schemeClr val="phClr"/>
+        </a:solidFill>
+        <a:gradFill rotWithShape="1">
+          <a:gsLst>
+            <a:gs pos="0">
+              <a:schemeClr val="phClr">
+                <a:lumMod val="110000"/>
+                <a:satMod val="105000"/>
+                <a:tint val="67000"/>
+              </a:schemeClr>
+            </a:gs>
+            <a:gs pos="50000">
+              <a:schemeClr val="phClr">
+                <a:lumMod val="105000"/>
+                <a:satMod val="103000"/>
+                <a:tint val="73000"/>
+              </a:schemeClr>
+            </a:gs>
+            <a:gs pos="100000">
+              <a:schemeClr val="phClr">
+                <a:lumMod val="105000"/>
+                <a:satMod val="109000"/>
+                <a:tint val="81000"/>
+              </a:schemeClr>
+            </a:gs>
+          </a:gsLst>
+          <a:lin ang="5400000" scaled="0"/>
+        </a:gradFill>
+        <a:gradFill rotWithShape="1">
+          <a:gsLst>
+            <a:gs pos="0">
+              <a:schemeClr val="phClr">
+                <a:satMod val="103000"/>
+                <a:lumMod val="102000"/>
+                <a:tint val="94000"/>
+              </a:schemeClr>
+            </a:gs>
+            <a:gs pos="50000">
+              <a:schemeClr val="phClr">
+                <a:satMod val="110000"/>
+                <a:lumMod val="100000"/>
+                <a:shade val="100000"/>
+              </a:schemeClr>
+            </a:gs>
+            <a:gs pos="100000">
+              <a:schemeClr val="phClr">
+                <a:lumMod val="99000"/>
+                <a:satMod val="120000"/>
+                <a:shade val="78000"/>
+              </a:schemeClr>
+            </a:gs>
+          </a:gsLst>
+          <a:lin ang="5400000" scaled="0"/>
+        </a:gradFill>
+      </a:fillStyleLst>
+      <a:lnStyleLst>
+        <a:ln w="6350" cap="flat" cmpd="sng" algn="ctr">
+          <a:solidFill>
+            <a:schemeClr val="phClr"/>
+          </a:solidFill>
+          <a:prstDash val="solid"/>
+          <a:miter lim="800000"/>
+        </a:ln>
+        <a:ln w="12700" cap="flat" cmpd="sng" algn="ctr">
+          <a:solidFill>
+            <a:schemeClr val="phClr"/>
+          </a:solidFill>
+          <a:prstDash val="solid"/>
+          <a:miter lim="800000"/>
+        </a:ln>
+        <a:ln w="19050" cap="flat" cmpd="sng" algn="ctr">
+          <a:solidFill>
+            <a:schemeClr val="phClr"/>
+          </a:solidFill>
+          <a:prstDash val="solid"/>
+          <a:miter lim="800000"/>
+        </a:ln>
+      </a:lnStyleLst>
+      <a:effectStyleLst>
+        <a:effectStyle>
+          <a:effectLst/>
+        </a:effectStyle>
+        <a:effectStyle>
+          <a:effectLst/>
+        </a:effectStyle>
+        <a:effectStyle>
+          <a:effectLst>
+            <a:outerShdw blurRad="57150" dist="19050" dir="5400000" algn="ctr" rotWithShape="0">
+              <a:srgbClr val="000000">
+                <a:alpha val="63000"/>
+              </a:srgbClr>
+            </a:outerShdw>
+          </a:effectLst>
+        </a:effectStyle>
+      </a:effectStyleLst>
+      <a:bgFillStyleLst>
+        <a:solidFill>
+          <a:schemeClr val="phClr"/>
+        </a:solidFill>
+        <a:solidFill>
+          <a:schemeClr val="phClr">
+            <a:tint val="95000"/>
+            <a:satMod val="170000"/>
+          </a:schemeClr>
+        </a:solidFill>
+        <a:gradFill rotWithShape="1">
+          <a:gsLst>
+            <a:gs pos="0">
+              <a:schemeClr val="phClr">
+                <a:tint val="93000"/>
+                <a:satMod val="150000"/>
+                <a:shade val="98000"/>
+                <a:lumMod val="102000"/>
+              </a:schemeClr>
+            </a:gs>
+            <a:gs pos="50000">
+              <a:schemeClr val="phClr">
+                <a:tint val="98000"/>
+                <a:satMod val="130000"/>
+                <a:shade val="90000"/>
+                <a:lumMod val="103000"/>
+              </a:schemeClr>
+            </a:gs>
+            <a:gs pos="100000">
+              <a:schemeClr val="phClr">
+                <a:shade val="63000"/>
+                <a:satMod val="120000"/>
+              </a:schemeClr>
+            </a:gs>
+          </a:gsLst>
+          <a:lin ang="5400000" scaled="0"/>
+        </a:gradFill>
+      </a:bgFillStyleLst>
+    </a:fmtScheme>
+  </a:themeElements>
+  <a:objectDefaults/>
+  <a:extraClrSchemeLst/>
+  <a:extLst>
+    <a:ext uri="{05A4C25C-085E-4340-85A3-A5531E510DB2}">
+      <thm15:themeFamily xmlns:thm15="http://schemas.microsoft.com/office/thememl/2012/main" name="Office Theme" id="{62F939B6-93AF-4DB8-9C6B-D6C7DFDC589F}" vid="{4A3C46E8-61CC-4603-A589-7422A47A8E4A}"/>
+    </a:ext>
+  </a:extLst>
+</a:theme>
 </file>
--- a/documentacion/portada_y_contraportada/TFG/2-ContraportadaTFG.pptx
+++ b/documentacion/portada_y_contraportada/TFG/2-ContraportadaTFG.pptx
@@ -1593,7 +1593,7 @@
             </a:br>
             <a:r>
               <a:rPr lang="en-US" dirty="0"/>
-              <a:t>The Department of Computer Science of the University of Almería suffers from certain shortcomings when it comes to controlling the registration of the equipment and materials available, since its specific location is unknown, or it is difficult to obtain it. Being able to request the material you have become a tedious process. The lack of an efficient management mechanism leads to redundant acquisitions in the Department, with the consequent accumulation of inventory. The need for a tool that can manage the inventory and streamline the process of granting loans in the IT Department would greatly facilitate the work of the technicians and the control and monitoring of the material available. The main objective of this project is the creation of an inventory management and loan control system for the Computer Science Department of the University of Almería. This system would consist of the development of a web application and an application programming interface (API). This development would be done using technologies such as Node JS and Angular TypeScript. We will use Docker to be able to get the server, API and database up and running. This development has been carried out with a developed and detailed planning, describing in depth all the stages through which the creation of the tool has passed.</a:t>
+              <a:t>The Computer Engineering Department of the University of Almería doesn’t has a system to controlling the registration of the equipment and materials available, due to its specific location is unknown, or it is difficult to obtain it. Being able to request the material have become a tedious process. The lack of an efficient management mechanism leads to redundant acquisitions in the Department, with the consequent accumulation of inventory. The need for a tool that can manage the inventory and streamline the process of granting loans in the IT Department would greatly facilitate the work of the technicians and the control and monitoring of the material available. The main objective of this project is the creation of an inventory management and loan control system for the Computer Science Department of the University of Almería. This system would consist of the development of a web application and an application programming interface (API). This development would be done using technologies such as Node JS and Angular TypeScript. We will use Docker for deploying the server, API and database. This development has been carried out with a detailed planning, describing in depth all the stages through which the creation of the tool was going through.</a:t>
             </a:r>
           </a:p>
         </p:txBody>

--- a/documentacion/portada_y_contraportada/TFG/2-ContraportadaTFG.pptx
+++ b/documentacion/portada_y_contraportada/TFG/2-ContraportadaTFG.pptx
@@ -1583,7 +1583,7 @@
             </a:pPr>
             <a:r>
               <a:rPr lang="es-ES" dirty="0"/>
-              <a:t>El Departamento de Informática de la Universidad de Almería adolece de ciertas carencias a la hora de controlar el registro de los equipos y materiales disponibles, ya que se desconoce su ubicación concreta, o resulta complicado obtenerla. Poder solicitar el material del que dispone se convierte en un proceso tedioso. La falta de un mecanismo de de gestión eficiente hace que se produzcan adquisiciones redundantes en el Departamento, con la consiguiente acumulación del inventario. La necesidad de una herramienta que pueda gestionar el inventario y agilizar el proceso de concesión de préstamos en el Departamento de Informática facilitaría en gran medida el trabajo de los técnicos y el control y seguimiento del material del que se dispone. El objetivo principal de este proyecto es la creación de un sistema de gestión de inventario y control de préstamos para el Departamento de Informática de la Universidad de Almería. Este sistema consistiría en el desarrollo de una aplicación web y una interfaz de programación de aplicaciones (API). Este desarrollo se realizaría utilizando tecnologías como Node JS y Angular TypeScript. Utilizaremos Docker para poder poner en funcionamiento el servidor, la API y la base de datos. Este desarrollo se ha llevado a cabo con una planificación desarrollada y detallada, describiendo en profundidad todas las etapas por las que ha pasado la creación de la herramienta.</a:t>
+              <a:t>El Departamento de Informática de la Universidad de Almería adolece de ciertas carencias a la hora de controlar el registro de los equipos y materiales disponibles, ya que, se desconoce su ubicación concreta, o resulta complicado obtenerla. La falta de un mecanismo de gestión eficiente hace que se produzcan adquisiciones redundantes en el Departamento. La necesidad de una herramienta que pueda gestionar el inventario y agilizar el proceso de concesión de préstamos en el Departamento de Informática facilitaría, en gran medida, el trabajo de los técnicos y el control y seguimiento del material del que se dispone. El objetivo principal de este proyecto es la creación de un sistema de gestión de inventario y control de préstamos. Este sistema consistiría en el desarrollo de una aplicación web y una interfaz de programación de aplicaciones (API). Este desarrollo se realizaría utilizando tecnologías como Node JS y Angular TypeScript. Utilizaremos Docker para poder poner en funcionamiento el servidor, la API y la base de datos. Este desarrollo se ha llevado a cabo con una planificación desarrollada y detallada, describiendo en profundidad todas las etapas por las que ha pasado la creación de la herramienta.</a:t>
             </a:r>
             <a:br>
               <a:rPr lang="es-ES" dirty="0"/>
@@ -1593,7 +1593,15 @@
             </a:br>
             <a:r>
               <a:rPr lang="en-US" dirty="0"/>
-              <a:t>The Computer Engineering Department of the University of Almería doesn’t has a system to controlling the registration of the equipment and materials available, due to its specific location is unknown, or it is difficult to obtain it. Being able to request the material have become a tedious process. The lack of an efficient management mechanism leads to redundant acquisitions in the Department, with the consequent accumulation of inventory. The need for a tool that can manage the inventory and streamline the process of granting loans in the IT Department would greatly facilitate the work of the technicians and the control and monitoring of the material available. The main objective of this project is the creation of an inventory management and loan control system for the Computer Science Department of the University of Almería. This system would consist of the development of a web application and an application programming interface (API). This development would be done using technologies such as Node JS and Angular TypeScript. We will use Docker for deploying the server, API and database. This development has been carried out with a detailed planning, describing in depth all the stages through which the creation of the tool was going through.</a:t>
+              <a:t>The Computer Engineering Department of the University of Almería doesn’t has a system to controlling the registration of the equipment and materials available, due to its specific location is unknown, or it is difficult to obtain it. The lack of an efficient management mechanism leads to redundant acquisitions in </a:t>
+            </a:r>
+            <a:r>
+              <a:rPr lang="en-US"/>
+              <a:t>the Department. </a:t>
+            </a:r>
+            <a:r>
+              <a:rPr lang="en-US" dirty="0"/>
+              <a:t>The need for a tool that can manage the inventory and streamline the process of granting loans in the IT Department would greatly facilitate the work of the technicians and the control and monitoring of the material available. The main objective of this project is the creation of an inventory management and loan control system. This system would consist of the development of a web application and an application programming interface (API). This development would be done using technologies such as Node JS and Angular TypeScript. We will use Docker for deploying the server, API and database. This development has been carried out with a detailed planning, describing in depth all the stages through which the creation of the tool was going through.</a:t>
             </a:r>
           </a:p>
         </p:txBody>
